--- a/Self-Learning Tutorial.pptx
+++ b/Self-Learning Tutorial.pptx
@@ -793,6 +793,27 @@
               <a:buNone/>
             </a:pPr>
             <a:r>
+              <a:rPr lang="en" u="sng">
+                <a:solidFill>
+                  <a:schemeClr val="hlink"/>
+                </a:solidFill>
+                <a:hlinkClick r:id="rId2"/>
+              </a:rPr>
+              <a:t>https://github.com/CountDer3k/AIH-HW4-Shared</a:t>
+            </a:r>
+            <a:endParaRPr/>
+          </a:p>
+          <a:p>
+            <a:pPr indent="0" lvl="0" marL="0" rtl="0" algn="l">
+              <a:spcBef>
+                <a:spcPts val="0"/>
+              </a:spcBef>
+              <a:spcAft>
+                <a:spcPts val="0"/>
+              </a:spcAft>
+              <a:buNone/>
+            </a:pPr>
+            <a:r>
               <a:t/>
             </a:r>
             <a:endParaRPr/>
@@ -892,7 +913,8 @@
               <a:buNone/>
             </a:pPr>
             <a:r>
-              <a:t/>
+              <a:rPr lang="en"/>
+              <a:t>The warning here is important since this chart would lead us to believe we should use a high cluster size, but it will be shown why that would be unwise.</a:t>
             </a:r>
             <a:endParaRPr/>
           </a:p>
@@ -991,7 +1013,16 @@
               <a:buNone/>
             </a:pPr>
             <a:r>
-              <a:t/>
+              <a:rPr lang="en"/>
+              <a:t>Clearly 10 clusters did not group the data </a:t>
+            </a:r>
+            <a:r>
+              <a:rPr lang="en"/>
+              <a:t>correctly</a:t>
+            </a:r>
+            <a:r>
+              <a:rPr lang="en"/>
+              <a:t>.</a:t>
             </a:r>
             <a:endParaRPr/>
           </a:p>
@@ -1189,7 +1220,24 @@
               <a:buNone/>
             </a:pPr>
             <a:r>
-              <a:t/>
+              <a:rPr lang="en"/>
+              <a:t>The charts show a lack of concrete groups. </a:t>
+            </a:r>
+            <a:endParaRPr/>
+          </a:p>
+          <a:p>
+            <a:pPr indent="0" lvl="0" marL="0" rtl="0" algn="l">
+              <a:spcBef>
+                <a:spcPts val="0"/>
+              </a:spcBef>
+              <a:spcAft>
+                <a:spcPts val="0"/>
+              </a:spcAft>
+              <a:buNone/>
+            </a:pPr>
+            <a:r>
+              <a:rPr lang="en"/>
+              <a:t>All charts above 2 clusters indicate that there may be too many clusters and not enough items to separate into.</a:t>
             </a:r>
             <a:endParaRPr/>
           </a:p>
@@ -1387,7 +1435,43 @@
               <a:buNone/>
             </a:pPr>
             <a:r>
+              <a:rPr lang="en"/>
+              <a:t>To understand what the clusters represent we will analyze what their main components are by exploring the top 10 features of each PC (principal component)</a:t>
+            </a:r>
+            <a:endParaRPr/>
+          </a:p>
+          <a:p>
+            <a:pPr indent="0" lvl="0" marL="0" rtl="0" algn="l">
+              <a:spcBef>
+                <a:spcPts val="0"/>
+              </a:spcBef>
+              <a:spcAft>
+                <a:spcPts val="0"/>
+              </a:spcAft>
+              <a:buNone/>
+            </a:pPr>
+            <a:r>
               <a:t/>
+            </a:r>
+            <a:endParaRPr/>
+          </a:p>
+          <a:p>
+            <a:pPr indent="0" lvl="0" marL="0" rtl="0" algn="l">
+              <a:spcBef>
+                <a:spcPts val="0"/>
+              </a:spcBef>
+              <a:spcAft>
+                <a:spcPts val="0"/>
+              </a:spcAft>
+              <a:buNone/>
+            </a:pPr>
+            <a:r>
+              <a:rPr lang="en"/>
+              <a:t>When</a:t>
+            </a:r>
+            <a:r>
+              <a:rPr lang="en"/>
+              <a:t> we preprocessed the data, the “drugs” column was flattened and created a new column for each one in order to be mapped in kmean and PCA. Now that we have done this, we need to decode it back so that we can easily read the names of the drugs.</a:t>
             </a:r>
             <a:endParaRPr/>
           </a:p>
@@ -2080,7 +2164,8 @@
               <a:buNone/>
             </a:pPr>
             <a:r>
-              <a:t/>
+              <a:rPr lang="en"/>
+              <a:t>These graphs may look different if re-run, due how small the dataset is.</a:t>
             </a:r>
             <a:endParaRPr/>
           </a:p>
@@ -2476,7 +2561,66 @@
               <a:buNone/>
             </a:pPr>
             <a:r>
+              <a:rPr lang="en"/>
+              <a:t>In the first block of code we will filter out of the note events table all patients who in their text column include at least 1 mention of either hallucinations or of ocd.</a:t>
+            </a:r>
+            <a:br>
+              <a:rPr lang="en"/>
+            </a:br>
+            <a:r>
+              <a:rPr lang="en"/>
+              <a:t>We add 2 columns to the dataframe, one for hallucinations and one for ocd to make the data easier to sift through. This removes the need for keeping all the extra information </a:t>
+            </a:r>
+            <a:r>
+              <a:rPr lang="en"/>
+              <a:t>coming from the noteevent table.</a:t>
+            </a:r>
+            <a:endParaRPr/>
+          </a:p>
+          <a:p>
+            <a:pPr indent="0" lvl="0" marL="0" rtl="0" algn="l">
+              <a:spcBef>
+                <a:spcPts val="0"/>
+              </a:spcBef>
+              <a:spcAft>
+                <a:spcPts val="0"/>
+              </a:spcAft>
+              <a:buNone/>
+            </a:pPr>
+            <a:r>
+              <a:rPr lang="en"/>
+              <a:t>All duplicate subjects are removed.</a:t>
+            </a:r>
+            <a:endParaRPr/>
+          </a:p>
+          <a:p>
+            <a:pPr indent="0" lvl="0" marL="0" rtl="0" algn="l">
+              <a:spcBef>
+                <a:spcPts val="0"/>
+              </a:spcBef>
+              <a:spcAft>
+                <a:spcPts val="0"/>
+              </a:spcAft>
+              <a:buNone/>
+            </a:pPr>
+            <a:r>
               <a:t/>
+            </a:r>
+            <a:endParaRPr/>
+          </a:p>
+          <a:p>
+            <a:pPr indent="0" lvl="0" marL="0" rtl="0" algn="l">
+              <a:spcBef>
+                <a:spcPts val="0"/>
+              </a:spcBef>
+              <a:spcAft>
+                <a:spcPts val="0"/>
+              </a:spcAft>
+              <a:buNone/>
+            </a:pPr>
+            <a:r>
+              <a:rPr lang="en"/>
+              <a:t>In the 2nd block of code we remove all  the columns that are no longer needed. We make gender a boolean to make preprocessing easier in future analysis, and we add the column “adhd_only” as a form to quickly group patients without the extra conditions.</a:t>
             </a:r>
             <a:endParaRPr/>
           </a:p>
@@ -2575,7 +2719,39 @@
               <a:buNone/>
             </a:pPr>
             <a:r>
+              <a:rPr lang="en"/>
+              <a:t>Originally the research would include age as a factor of development of OCD and hallucinations, but no age is given in the dataset and the patients who appear on this subset did not have a dod so age could not be determined.</a:t>
+            </a:r>
+            <a:endParaRPr/>
+          </a:p>
+          <a:p>
+            <a:pPr indent="0" lvl="0" marL="0" rtl="0" algn="l">
+              <a:spcBef>
+                <a:spcPts val="0"/>
+              </a:spcBef>
+              <a:spcAft>
+                <a:spcPts val="0"/>
+              </a:spcAft>
+              <a:buNone/>
+            </a:pPr>
+            <a:r>
               <a:t/>
+            </a:r>
+            <a:endParaRPr/>
+          </a:p>
+          <a:p>
+            <a:pPr indent="0" lvl="0" marL="0" rtl="0" algn="l">
+              <a:spcBef>
+                <a:spcPts val="0"/>
+              </a:spcBef>
+              <a:spcAft>
+                <a:spcPts val="0"/>
+              </a:spcAft>
+              <a:buNone/>
+            </a:pPr>
+            <a:r>
+              <a:rPr lang="en"/>
+              <a:t>The second feature we chose to look at instead was gender.</a:t>
             </a:r>
             <a:endParaRPr/>
           </a:p>
@@ -2674,7 +2850,69 @@
               <a:buNone/>
             </a:pPr>
             <a:r>
+              <a:rPr lang="en"/>
+              <a:t>The data gathered was unfortunately small. With the overall amount of patients n=121 still being &gt;30 we chose to continue as this can give some statistical validity.</a:t>
+            </a:r>
+            <a:endParaRPr/>
+          </a:p>
+          <a:p>
+            <a:pPr indent="0" lvl="0" marL="0" rtl="0" algn="l">
+              <a:spcBef>
+                <a:spcPts val="0"/>
+              </a:spcBef>
+              <a:spcAft>
+                <a:spcPts val="0"/>
+              </a:spcAft>
+              <a:buNone/>
+            </a:pPr>
+            <a:r>
               <a:t/>
+            </a:r>
+            <a:endParaRPr/>
+          </a:p>
+          <a:p>
+            <a:pPr indent="0" lvl="0" marL="0" rtl="0" algn="l">
+              <a:lnSpc>
+                <a:spcPct val="115000"/>
+              </a:lnSpc>
+              <a:spcBef>
+                <a:spcPts val="0"/>
+              </a:spcBef>
+              <a:spcAft>
+                <a:spcPts val="0"/>
+              </a:spcAft>
+              <a:buNone/>
+            </a:pPr>
+            <a:r>
+              <a:rPr lang="en"/>
+              <a:t>Surprisingly hallucinations was more common that OCD. This was an unexpected discovery.</a:t>
+            </a:r>
+            <a:endParaRPr/>
+          </a:p>
+          <a:p>
+            <a:pPr indent="0" lvl="0" marL="0" rtl="0" algn="l">
+              <a:lnSpc>
+                <a:spcPct val="115000"/>
+              </a:lnSpc>
+              <a:spcBef>
+                <a:spcPts val="1200"/>
+              </a:spcBef>
+              <a:spcAft>
+                <a:spcPts val="1200"/>
+              </a:spcAft>
+              <a:buNone/>
+            </a:pPr>
+            <a:r>
+              <a:rPr lang="en"/>
+              <a:t>	This could change if we also included the icd9 code for ocd and group that </a:t>
+            </a:r>
+            <a:r>
+              <a:rPr lang="en"/>
+              <a:t>together</a:t>
+            </a:r>
+            <a:r>
+              <a:rPr lang="en"/>
+              <a:t> instead of only.</a:t>
             </a:r>
             <a:endParaRPr/>
           </a:p>
@@ -2773,7 +3011,106 @@
               <a:buNone/>
             </a:pPr>
             <a:r>
+              <a:rPr lang="en"/>
+              <a:t>ADHD showed to be higher in males, about 1.7 to 1.</a:t>
+            </a:r>
+            <a:endParaRPr/>
+          </a:p>
+          <a:p>
+            <a:pPr indent="0" lvl="0" marL="0" rtl="0" algn="l">
+              <a:spcBef>
+                <a:spcPts val="0"/>
+              </a:spcBef>
+              <a:spcAft>
+                <a:spcPts val="0"/>
+              </a:spcAft>
+              <a:buNone/>
+            </a:pPr>
+            <a:r>
+              <a:rPr lang="en"/>
+              <a:t>Hallucinations were more </a:t>
+            </a:r>
+            <a:r>
+              <a:rPr lang="en"/>
+              <a:t>common in males</a:t>
+            </a:r>
+            <a:endParaRPr/>
+          </a:p>
+          <a:p>
+            <a:pPr indent="0" lvl="0" marL="0" rtl="0" algn="l">
+              <a:spcBef>
+                <a:spcPts val="0"/>
+              </a:spcBef>
+              <a:spcAft>
+                <a:spcPts val="0"/>
+              </a:spcAft>
+              <a:buNone/>
+            </a:pPr>
+            <a:r>
               <a:t/>
+            </a:r>
+            <a:endParaRPr/>
+          </a:p>
+          <a:p>
+            <a:pPr indent="0" lvl="0" marL="0" rtl="0" algn="l">
+              <a:spcBef>
+                <a:spcPts val="0"/>
+              </a:spcBef>
+              <a:spcAft>
+                <a:spcPts val="0"/>
+              </a:spcAft>
+              <a:buNone/>
+            </a:pPr>
+            <a:r>
+              <a:rPr lang="en"/>
+              <a:t>No Males showed OCD in their notes.</a:t>
+            </a:r>
+            <a:endParaRPr/>
+          </a:p>
+          <a:p>
+            <a:pPr indent="0" lvl="0" marL="0" rtl="0" algn="l">
+              <a:spcBef>
+                <a:spcPts val="0"/>
+              </a:spcBef>
+              <a:spcAft>
+                <a:spcPts val="0"/>
+              </a:spcAft>
+              <a:buNone/>
+            </a:pPr>
+            <a:r>
+              <a:rPr lang="en"/>
+              <a:t>	This is likely due to the relatively small size of the dataset and the way the data was gathered, but this does not hold true in the overall population.</a:t>
+            </a:r>
+            <a:endParaRPr/>
+          </a:p>
+          <a:p>
+            <a:pPr indent="0" lvl="0" marL="0" rtl="0" algn="l">
+              <a:spcBef>
+                <a:spcPts val="0"/>
+              </a:spcBef>
+              <a:spcAft>
+                <a:spcPts val="0"/>
+              </a:spcAft>
+              <a:buNone/>
+            </a:pPr>
+            <a:r>
+              <a:t/>
+            </a:r>
+            <a:endParaRPr/>
+          </a:p>
+          <a:p>
+            <a:pPr indent="0" lvl="0" marL="0" rtl="0" algn="l">
+              <a:spcBef>
+                <a:spcPts val="0"/>
+              </a:spcBef>
+              <a:spcAft>
+                <a:spcPts val="0"/>
+              </a:spcAft>
+              <a:buNone/>
+            </a:pPr>
+            <a:r>
+              <a:rPr lang="en"/>
+              <a:t>Based on the graph and this pre-analysis, it appears that gender could be a contributing feature for hallucinations and OCD in ADHD patients.</a:t>
             </a:r>
             <a:endParaRPr/>
           </a:p>
@@ -2872,7 +3209,75 @@
               <a:buNone/>
             </a:pPr>
             <a:r>
+              <a:rPr lang="en"/>
+              <a:t>We used K-means and PCA.</a:t>
+            </a:r>
+            <a:endParaRPr/>
+          </a:p>
+          <a:p>
+            <a:pPr indent="0" lvl="0" marL="0" rtl="0" algn="l">
+              <a:spcBef>
+                <a:spcPts val="0"/>
+              </a:spcBef>
+              <a:spcAft>
+                <a:spcPts val="0"/>
+              </a:spcAft>
+              <a:buNone/>
+            </a:pPr>
+            <a:r>
+              <a:rPr lang="en"/>
+              <a:t>These two work really well </a:t>
+            </a:r>
+            <a:r>
+              <a:rPr lang="en"/>
+              <a:t>together for reducing the complexity dimensionality of our data.</a:t>
+            </a:r>
+            <a:endParaRPr/>
+          </a:p>
+          <a:p>
+            <a:pPr indent="0" lvl="0" marL="0" rtl="0" algn="l">
+              <a:spcBef>
+                <a:spcPts val="0"/>
+              </a:spcBef>
+              <a:spcAft>
+                <a:spcPts val="0"/>
+              </a:spcAft>
+              <a:buNone/>
+            </a:pPr>
+            <a:r>
+              <a:rPr lang="en"/>
+              <a:t>They will allow us to group together our data points without needing to know what they are (they don’t have to be labeled manually) and will clear out any extra noise so we can find the best correlation between features in our dataset.</a:t>
+            </a:r>
+            <a:endParaRPr/>
+          </a:p>
+          <a:p>
+            <a:pPr indent="0" lvl="0" marL="0" rtl="0" algn="l">
+              <a:spcBef>
+                <a:spcPts val="0"/>
+              </a:spcBef>
+              <a:spcAft>
+                <a:spcPts val="0"/>
+              </a:spcAft>
+              <a:buNone/>
+            </a:pPr>
+            <a:r>
               <a:t/>
+            </a:r>
+            <a:endParaRPr/>
+          </a:p>
+          <a:p>
+            <a:pPr indent="0" lvl="0" marL="0" rtl="0" algn="l">
+              <a:spcBef>
+                <a:spcPts val="0"/>
+              </a:spcBef>
+              <a:spcAft>
+                <a:spcPts val="0"/>
+              </a:spcAft>
+              <a:buNone/>
+            </a:pPr>
+            <a:r>
+              <a:rPr lang="en"/>
+              <a:t>These 2 are also responsible for making sure we can visualize our charts in a way our 2/3D minds can comprehend (no need to know how to visualize in 4D or read a complex multidimensional vector)</a:t>
             </a:r>
             <a:endParaRPr/>
           </a:p>
@@ -2971,7 +3376,126 @@
               <a:buNone/>
             </a:pPr>
             <a:r>
+              <a:rPr lang="en"/>
+              <a:t>Since we don’t know the features that play a key role in our dataset, this will be an unsupervised </a:t>
+            </a:r>
+            <a:r>
+              <a:rPr lang="en"/>
+              <a:t>learning</a:t>
+            </a:r>
+            <a:r>
+              <a:rPr lang="en"/>
+              <a:t> model and thus we will need to find the most optimal cluster size.</a:t>
+            </a:r>
+            <a:endParaRPr/>
+          </a:p>
+          <a:p>
+            <a:pPr indent="0" lvl="0" marL="0" rtl="0" algn="l">
+              <a:spcBef>
+                <a:spcPts val="0"/>
+              </a:spcBef>
+              <a:spcAft>
+                <a:spcPts val="0"/>
+              </a:spcAft>
+              <a:buNone/>
+            </a:pPr>
+            <a:r>
               <a:t/>
+            </a:r>
+            <a:endParaRPr/>
+          </a:p>
+          <a:p>
+            <a:pPr indent="0" lvl="0" marL="0" rtl="0" algn="l">
+              <a:spcBef>
+                <a:spcPts val="0"/>
+              </a:spcBef>
+              <a:spcAft>
+                <a:spcPts val="0"/>
+              </a:spcAft>
+              <a:buNone/>
+            </a:pPr>
+            <a:r>
+              <a:rPr lang="en"/>
+              <a:t>A common method for optimizing the cluster size is to use the Elbow Method.</a:t>
+            </a:r>
+            <a:endParaRPr/>
+          </a:p>
+          <a:p>
+            <a:pPr indent="0" lvl="0" marL="0" rtl="0" algn="l">
+              <a:spcBef>
+                <a:spcPts val="0"/>
+              </a:spcBef>
+              <a:spcAft>
+                <a:spcPts val="0"/>
+              </a:spcAft>
+              <a:buNone/>
+            </a:pPr>
+            <a:r>
+              <a:rPr lang="en"/>
+              <a:t>	This method will try different cluster sizes and find the WCSS</a:t>
+            </a:r>
+            <a:endParaRPr/>
+          </a:p>
+          <a:p>
+            <a:pPr indent="0" lvl="0" marL="0" rtl="0" algn="l">
+              <a:spcBef>
+                <a:spcPts val="0"/>
+              </a:spcBef>
+              <a:spcAft>
+                <a:spcPts val="0"/>
+              </a:spcAft>
+              <a:buNone/>
+            </a:pPr>
+            <a:r>
+              <a:rPr lang="en"/>
+              <a:t>		Within-cluster sum of squares. This gives a numerical representation for the distance between points in a cluster.</a:t>
+            </a:r>
+            <a:endParaRPr/>
+          </a:p>
+          <a:p>
+            <a:pPr indent="0" lvl="0" marL="0" rtl="0" algn="l">
+              <a:spcBef>
+                <a:spcPts val="0"/>
+              </a:spcBef>
+              <a:spcAft>
+                <a:spcPts val="0"/>
+              </a:spcAft>
+              <a:buNone/>
+            </a:pPr>
+            <a:r>
+              <a:t/>
+            </a:r>
+            <a:endParaRPr/>
+          </a:p>
+          <a:p>
+            <a:pPr indent="0" lvl="0" marL="0" rtl="0" algn="l">
+              <a:spcBef>
+                <a:spcPts val="0"/>
+              </a:spcBef>
+              <a:spcAft>
+                <a:spcPts val="0"/>
+              </a:spcAft>
+              <a:buNone/>
+            </a:pPr>
+            <a:r>
+              <a:rPr lang="en"/>
+              <a:t>We will be testing cluster sizes from 1 to at most a size that guarantees our clusters have 10 points to them since we have a small dataset.</a:t>
+            </a:r>
+            <a:endParaRPr/>
+          </a:p>
+          <a:p>
+            <a:pPr indent="0" lvl="0" marL="0" rtl="0" algn="l">
+              <a:spcBef>
+                <a:spcPts val="0"/>
+              </a:spcBef>
+              <a:spcAft>
+                <a:spcPts val="0"/>
+              </a:spcAft>
+              <a:buNone/>
+            </a:pPr>
+            <a:r>
+              <a:rPr lang="en"/>
+              <a:t>Anything smaller than that may be overfitting the data and reducing the correlations we see.</a:t>
             </a:r>
             <a:endParaRPr/>
           </a:p>
@@ -7968,8 +8492,16 @@
               <a:buChar char="●"/>
             </a:pPr>
             <a:r>
+              <a:rPr lang="en" sz="1200">
+                <a:solidFill>
+                  <a:srgbClr val="FF0000"/>
+                </a:solidFill>
+              </a:rPr>
+              <a:t>WARNING</a:t>
+            </a:r>
+            <a:r>
               <a:rPr lang="en" sz="1200"/>
-              <a:t>WARNING: though 10 clusters shows a lower WCSS than say 2 or 3, it is worthwhile to analyze the clusters to make sure the groups look valid.</a:t>
+              <a:t>: though 10 clusters shows a lower WCSS than say 2 or 3, it is worthwhile to analyze the clusters to make sure the groups look valid.</a:t>
             </a:r>
             <a:endParaRPr sz="1200"/>
           </a:p>
@@ -8129,7 +8661,7 @@
             </a:pPr>
             <a:r>
               <a:rPr lang="en" sz="1200"/>
-              <a:t>Visually the chart show 3-5 clusters.</a:t>
+              <a:t>Visually the chart show 2-4 clusters.</a:t>
             </a:r>
             <a:endParaRPr sz="1200"/>
           </a:p>
@@ -8289,7 +8821,7 @@
             </a:pPr>
             <a:r>
               <a:rPr lang="en" sz="1200"/>
-              <a:t>We created a function to run k-means for any k size we pass in and that will return a dataframe for the data reduced to 2 principal components.</a:t>
+              <a:t>We created a function to run k-means for any k given.</a:t>
             </a:r>
             <a:endParaRPr sz="1200"/>
           </a:p>
@@ -8607,21 +9139,21 @@
             <a:endParaRPr/>
           </a:p>
           <a:p>
-            <a:pPr indent="-317500" lvl="0" marL="457200" rtl="0" algn="l">
-              <a:spcBef>
-                <a:spcPts val="0"/>
-              </a:spcBef>
-              <a:spcAft>
-                <a:spcPts val="0"/>
-              </a:spcAft>
-              <a:buSzPts val="1400"/>
+            <a:pPr indent="-304800" lvl="0" marL="457200" rtl="0" algn="l">
+              <a:spcBef>
+                <a:spcPts val="0"/>
+              </a:spcBef>
+              <a:spcAft>
+                <a:spcPts val="0"/>
+              </a:spcAft>
+              <a:buSzPts val="1200"/>
               <a:buChar char="●"/>
             </a:pPr>
             <a:r>
-              <a:rPr lang="en"/>
+              <a:rPr lang="en" sz="1200"/>
               <a:t>Adding more than 2 clusters should in theory improve the cluster groups and give more clear defining spaces.</a:t>
             </a:r>
-            <a:endParaRPr/>
+            <a:endParaRPr sz="1200"/>
           </a:p>
           <a:p>
             <a:pPr indent="-304800" lvl="1" marL="914400" rtl="0" algn="l">
@@ -8635,20 +9167,8 @@
               <a:buChar char="○"/>
             </a:pPr>
             <a:r>
-              <a:rPr lang="en" sz="1200"/>
-              <a:t>The interesting aspect is that on clusters of </a:t>
-            </a:r>
-            <a:r>
               <a:rPr lang="en"/>
-              <a:t>3</a:t>
-            </a:r>
-            <a:r>
-              <a:rPr lang="en" sz="1200"/>
-              <a:t>-7, the expectation would be that that middle left group would split into new </a:t>
-            </a:r>
-            <a:r>
-              <a:rPr lang="en"/>
-              <a:t>smaller clusters, which it does not.</a:t>
+              <a:t>The interesting aspect is that on clusters of 3-7, the expectation would be that that middle left group would split into new smaller clusters, which it does not.</a:t>
             </a:r>
             <a:endParaRPr/>
           </a:p>
@@ -8813,7 +9333,7 @@
             </a:pPr>
             <a:r>
               <a:rPr lang="en" sz="1200"/>
-              <a:t>In order to understand what the clusters represent we will print the top 10 features that impact each principal component.</a:t>
+              <a:t>Analyze top 10 features for each PC.</a:t>
             </a:r>
             <a:endParaRPr sz="1200"/>
           </a:p>
@@ -8830,7 +9350,7 @@
             </a:pPr>
             <a:r>
               <a:rPr lang="en" sz="1200"/>
-              <a:t>First we need to decode the encoded drug columns.</a:t>
+              <a:t>Decode clusters.</a:t>
             </a:r>
             <a:endParaRPr sz="1200"/>
           </a:p>
@@ -9392,42 +9912,42 @@
         </p:spPr>
         <p:txBody>
           <a:bodyPr anchorCtr="0" anchor="t" bIns="91425" lIns="91425" spcFirstLastPara="1" rIns="91425" wrap="square" tIns="91425">
-            <a:normAutofit lnSpcReduction="10000"/>
+            <a:normAutofit/>
           </a:bodyPr>
           <a:lstStyle/>
           <a:p>
-            <a:pPr indent="-317500" lvl="0" marL="457200" rtl="0" algn="l">
-              <a:spcBef>
-                <a:spcPts val="0"/>
-              </a:spcBef>
-              <a:spcAft>
-                <a:spcPts val="0"/>
-              </a:spcAft>
-              <a:buSzPts val="1400"/>
+            <a:pPr indent="-304800" lvl="0" marL="457200" rtl="0" algn="l">
+              <a:spcBef>
+                <a:spcPts val="0"/>
+              </a:spcBef>
+              <a:spcAft>
+                <a:spcPts val="0"/>
+              </a:spcAft>
+              <a:buSzPts val="1200"/>
               <a:buChar char="●"/>
             </a:pPr>
             <a:r>
-              <a:rPr lang="en"/>
+              <a:rPr lang="en" sz="1200"/>
               <a:t>The chart shows the most common drugs for each cluster.</a:t>
             </a:r>
-            <a:endParaRPr/>
-          </a:p>
-          <a:p>
-            <a:pPr indent="-317500" lvl="0" marL="457200" rtl="0" algn="l">
-              <a:spcBef>
-                <a:spcPts val="0"/>
-              </a:spcBef>
-              <a:spcAft>
-                <a:spcPts val="0"/>
-              </a:spcAft>
-              <a:buSzPts val="1400"/>
+            <a:endParaRPr sz="1200"/>
+          </a:p>
+          <a:p>
+            <a:pPr indent="-304800" lvl="0" marL="457200" rtl="0" algn="l">
+              <a:spcBef>
+                <a:spcPts val="0"/>
+              </a:spcBef>
+              <a:spcAft>
+                <a:spcPts val="0"/>
+              </a:spcAft>
+              <a:buSzPts val="1200"/>
               <a:buChar char="●"/>
             </a:pPr>
             <a:r>
-              <a:rPr lang="en"/>
+              <a:rPr lang="en" sz="1200"/>
               <a:t>Cluster 0 shows a high amount of different drugs when compared to cluster 1</a:t>
             </a:r>
-            <a:endParaRPr/>
+            <a:endParaRPr sz="1200"/>
           </a:p>
           <a:p>
             <a:pPr indent="-304800" lvl="1" marL="914400" rtl="0" algn="l">
@@ -9573,59 +10093,59 @@
           </a:bodyPr>
           <a:lstStyle/>
           <a:p>
-            <a:pPr indent="-317500" lvl="0" marL="457200" rtl="0" algn="l">
-              <a:spcBef>
-                <a:spcPts val="0"/>
-              </a:spcBef>
-              <a:spcAft>
-                <a:spcPts val="0"/>
-              </a:spcAft>
-              <a:buSzPts val="1400"/>
+            <a:pPr indent="-304800" lvl="0" marL="457200" rtl="0" algn="l">
+              <a:spcBef>
+                <a:spcPts val="0"/>
+              </a:spcBef>
+              <a:spcAft>
+                <a:spcPts val="0"/>
+              </a:spcAft>
+              <a:buSzPts val="1200"/>
               <a:buChar char="●"/>
             </a:pPr>
             <a:r>
-              <a:rPr lang="en"/>
+              <a:rPr lang="en" sz="1200"/>
               <a:t>Lastly we will run the data through an auto encoder model which we will define on the right.</a:t>
             </a:r>
-            <a:endParaRPr/>
-          </a:p>
-          <a:p>
-            <a:pPr indent="-317500" lvl="0" marL="457200" rtl="0" algn="l">
-              <a:spcBef>
-                <a:spcPts val="0"/>
-              </a:spcBef>
-              <a:spcAft>
-                <a:spcPts val="0"/>
-              </a:spcAft>
-              <a:buSzPts val="1400"/>
+            <a:endParaRPr sz="1200"/>
+          </a:p>
+          <a:p>
+            <a:pPr indent="-304800" lvl="0" marL="457200" rtl="0" algn="l">
+              <a:spcBef>
+                <a:spcPts val="0"/>
+              </a:spcBef>
+              <a:spcAft>
+                <a:spcPts val="0"/>
+              </a:spcAft>
+              <a:buSzPts val="1200"/>
               <a:buChar char="●"/>
             </a:pPr>
             <a:r>
-              <a:rPr lang="en"/>
+              <a:rPr lang="en" sz="1200"/>
               <a:t>This is a very basic model with an </a:t>
             </a:r>
             <a:r>
-              <a:rPr lang="en"/>
+              <a:rPr lang="en" sz="1200"/>
               <a:t>encoder and decoder of 4 layers each</a:t>
             </a:r>
-            <a:endParaRPr/>
-          </a:p>
-          <a:p>
-            <a:pPr indent="-317500" lvl="0" marL="457200" rtl="0" algn="l">
-              <a:spcBef>
-                <a:spcPts val="0"/>
-              </a:spcBef>
-              <a:spcAft>
-                <a:spcPts val="0"/>
-              </a:spcAft>
-              <a:buSzPts val="1400"/>
+            <a:endParaRPr sz="1200"/>
+          </a:p>
+          <a:p>
+            <a:pPr indent="-304800" lvl="0" marL="457200" rtl="0" algn="l">
+              <a:spcBef>
+                <a:spcPts val="0"/>
+              </a:spcBef>
+              <a:spcAft>
+                <a:spcPts val="0"/>
+              </a:spcAft>
+              <a:buSzPts val="1200"/>
               <a:buChar char="●"/>
             </a:pPr>
             <a:r>
-              <a:rPr lang="en"/>
+              <a:rPr lang="en" sz="1200"/>
               <a:t>8 layers total</a:t>
             </a:r>
-            <a:endParaRPr/>
+            <a:endParaRPr sz="1200"/>
           </a:p>
           <a:p>
             <a:pPr indent="-304800" lvl="1" marL="914400" rtl="0" algn="l">
@@ -10339,27 +10859,27 @@
               <a:buNone/>
             </a:pPr>
             <a:r>
-              <a:rPr lang="en"/>
+              <a:rPr lang="en" sz="1200"/>
               <a:t>2D</a:t>
             </a:r>
-            <a:endParaRPr/>
-          </a:p>
-          <a:p>
-            <a:pPr indent="-317500" lvl="0" marL="457200" rtl="0" algn="l">
+            <a:endParaRPr sz="1200"/>
+          </a:p>
+          <a:p>
+            <a:pPr indent="-304800" lvl="0" marL="457200" rtl="0" algn="l">
               <a:spcBef>
                 <a:spcPts val="1200"/>
               </a:spcBef>
               <a:spcAft>
                 <a:spcPts val="0"/>
               </a:spcAft>
-              <a:buSzPts val="1400"/>
+              <a:buSzPts val="1200"/>
               <a:buChar char="●"/>
             </a:pPr>
             <a:r>
-              <a:rPr lang="en"/>
+              <a:rPr lang="en" sz="1200"/>
               <a:t>The plot shows 2 cluster groups in a lower dimension and shows each data point (patient) with a correlation between 2 different drugs:</a:t>
             </a:r>
-            <a:endParaRPr/>
+            <a:endParaRPr sz="1200"/>
           </a:p>
           <a:p>
             <a:pPr indent="-304800" lvl="1" marL="914400" rtl="0" algn="l">
@@ -10396,21 +10916,21 @@
             <a:endParaRPr/>
           </a:p>
           <a:p>
-            <a:pPr indent="-317500" lvl="0" marL="457200" rtl="0" algn="l">
-              <a:spcBef>
-                <a:spcPts val="0"/>
-              </a:spcBef>
-              <a:spcAft>
-                <a:spcPts val="0"/>
-              </a:spcAft>
-              <a:buSzPts val="1400"/>
+            <a:pPr indent="-304800" lvl="0" marL="457200" rtl="0" algn="l">
+              <a:spcBef>
+                <a:spcPts val="0"/>
+              </a:spcBef>
+              <a:spcAft>
+                <a:spcPts val="0"/>
+              </a:spcAft>
+              <a:buSzPts val="1200"/>
               <a:buChar char="●"/>
             </a:pPr>
             <a:r>
-              <a:rPr lang="en"/>
+              <a:rPr lang="en" sz="1200"/>
               <a:t>This appears to show a stronger correlation between the 2 drugs in regard to hallucinations, adhd, and OCD the higher those features were represented.</a:t>
             </a:r>
-            <a:endParaRPr/>
+            <a:endParaRPr sz="1200"/>
           </a:p>
         </p:txBody>
       </p:sp>
@@ -10447,44 +10967,44 @@
               <a:buNone/>
             </a:pPr>
             <a:r>
-              <a:rPr lang="en"/>
+              <a:rPr lang="en" sz="1200"/>
               <a:t>3D</a:t>
             </a:r>
-            <a:endParaRPr/>
-          </a:p>
-          <a:p>
-            <a:pPr indent="-317500" lvl="0" marL="457200" rtl="0" algn="l">
+            <a:endParaRPr sz="1200"/>
+          </a:p>
+          <a:p>
+            <a:pPr indent="-304800" lvl="0" marL="457200" rtl="0" algn="l">
               <a:spcBef>
                 <a:spcPts val="1200"/>
               </a:spcBef>
               <a:spcAft>
                 <a:spcPts val="0"/>
               </a:spcAft>
-              <a:buSzPts val="1400"/>
+              <a:buSzPts val="1200"/>
               <a:buChar char="●"/>
             </a:pPr>
             <a:r>
-              <a:rPr lang="en"/>
+              <a:rPr lang="en" sz="1200"/>
               <a:t>The plot in 3D gives us a depth dimension that gives a 3rd feature being of importance when correlating the likelihood of hallucination, adhd and OCD in patients.</a:t>
             </a:r>
-            <a:endParaRPr/>
-          </a:p>
-          <a:p>
-            <a:pPr indent="-317500" lvl="0" marL="457200" rtl="0" algn="l">
-              <a:spcBef>
-                <a:spcPts val="0"/>
-              </a:spcBef>
-              <a:spcAft>
-                <a:spcPts val="0"/>
-              </a:spcAft>
-              <a:buSzPts val="1400"/>
+            <a:endParaRPr sz="1200"/>
+          </a:p>
+          <a:p>
+            <a:pPr indent="-304800" lvl="0" marL="457200" rtl="0" algn="l">
+              <a:spcBef>
+                <a:spcPts val="0"/>
+              </a:spcBef>
+              <a:spcAft>
+                <a:spcPts val="0"/>
+              </a:spcAft>
+              <a:buSzPts val="1200"/>
               <a:buChar char="●"/>
             </a:pPr>
             <a:r>
-              <a:rPr lang="en"/>
+              <a:rPr lang="en" sz="1200"/>
               <a:t>2 clear groups are still formed, showing that even with an added dimension the top 2 drugs still shown the highest correlation between the conditions from above.</a:t>
             </a:r>
-            <a:endParaRPr/>
+            <a:endParaRPr sz="1200"/>
           </a:p>
         </p:txBody>
       </p:sp>
@@ -11074,7 +11594,7 @@
             </a:pPr>
             <a:r>
               <a:rPr lang="en" sz="1200"/>
-              <a:t>Using the note events, we filtered out all noted that included ocd or hallucinations.</a:t>
+              <a:t>Filter all patients with hallucination or ocd in notes.</a:t>
             </a:r>
             <a:endParaRPr sz="1200"/>
           </a:p>
@@ -11091,59 +11611,14 @@
             </a:pPr>
             <a:r>
               <a:rPr lang="en" sz="1200"/>
-              <a:t>We added the columns “hallucinations” and “ocd” to the data frame containing patients with adhd and a prescribed medication and dropped any duplicate subjects.</a:t>
+              <a:t>Add relevant columns.</a:t>
             </a:r>
             <a:endParaRPr sz="1200"/>
           </a:p>
           <a:p>
-            <a:pPr indent="0" lvl="0" marL="0" rtl="0" algn="l">
-              <a:spcBef>
-                <a:spcPts val="1200"/>
-              </a:spcBef>
-              <a:spcAft>
-                <a:spcPts val="0"/>
-              </a:spcAft>
-              <a:buNone/>
-            </a:pPr>
-            <a:r>
-              <a:t/>
-            </a:r>
-            <a:endParaRPr sz="1200"/>
-          </a:p>
-          <a:p>
-            <a:pPr indent="0" lvl="0" marL="0" rtl="0" algn="l">
-              <a:spcBef>
-                <a:spcPts val="1200"/>
-              </a:spcBef>
-              <a:spcAft>
-                <a:spcPts val="0"/>
-              </a:spcAft>
-              <a:buNone/>
-            </a:pPr>
-            <a:r>
-              <a:t/>
-            </a:r>
-            <a:endParaRPr sz="1200"/>
-          </a:p>
-          <a:p>
-            <a:pPr indent="0" lvl="0" marL="0" rtl="0" algn="l">
-              <a:spcBef>
-                <a:spcPts val="1200"/>
-              </a:spcBef>
-              <a:spcAft>
-                <a:spcPts val="0"/>
-              </a:spcAft>
-              <a:buNone/>
-            </a:pPr>
-            <a:r>
-              <a:t/>
-            </a:r>
-            <a:endParaRPr sz="1400"/>
-          </a:p>
-          <a:p>
             <a:pPr indent="-304800" lvl="0" marL="457200" rtl="0" algn="l">
               <a:spcBef>
-                <a:spcPts val="1200"/>
+                <a:spcPts val="0"/>
               </a:spcBef>
               <a:spcAft>
                 <a:spcPts val="0"/>
@@ -11152,15 +11627,59 @@
               <a:buChar char="●"/>
             </a:pPr>
             <a:r>
-              <a:rPr lang="en" sz="1200"/>
-              <a:t>The data was then cleaned of all unneeded columns</a:t>
+              <a:t/>
             </a:r>
             <a:endParaRPr sz="1200"/>
           </a:p>
           <a:p>
+            <a:pPr indent="0" lvl="0" marL="0" rtl="0" algn="l">
+              <a:spcBef>
+                <a:spcPts val="1200"/>
+              </a:spcBef>
+              <a:spcAft>
+                <a:spcPts val="0"/>
+              </a:spcAft>
+              <a:buNone/>
+            </a:pPr>
+            <a:r>
+              <a:t/>
+            </a:r>
+            <a:endParaRPr sz="1200"/>
+          </a:p>
+          <a:p>
+            <a:pPr indent="0" lvl="0" marL="0" rtl="0" algn="l">
+              <a:spcBef>
+                <a:spcPts val="1200"/>
+              </a:spcBef>
+              <a:spcAft>
+                <a:spcPts val="0"/>
+              </a:spcAft>
+              <a:buNone/>
+            </a:pPr>
+            <a:r>
+              <a:t/>
+            </a:r>
+            <a:endParaRPr sz="1200"/>
+          </a:p>
+          <a:p>
+            <a:pPr indent="0" lvl="0" marL="0" rtl="0" algn="l">
+              <a:spcBef>
+                <a:spcPts val="1200"/>
+              </a:spcBef>
+              <a:spcAft>
+                <a:spcPts val="0"/>
+              </a:spcAft>
+              <a:buNone/>
+            </a:pPr>
+            <a:r>
+              <a:t/>
+            </a:r>
+            <a:endParaRPr sz="1400"/>
+          </a:p>
+          <a:p>
             <a:pPr indent="-304800" lvl="0" marL="457200" rtl="0" algn="l">
               <a:spcBef>
-                <a:spcPts val="0"/>
+                <a:spcPts val="1200"/>
               </a:spcBef>
               <a:spcAft>
                 <a:spcPts val="0"/>
@@ -11170,24 +11689,7 @@
             </a:pPr>
             <a:r>
               <a:rPr lang="en" sz="1200"/>
-              <a:t>Gender was made into a boolean for easier analysis later on</a:t>
-            </a:r>
-            <a:endParaRPr sz="1200"/>
-          </a:p>
-          <a:p>
-            <a:pPr indent="-304800" lvl="0" marL="457200" rtl="0" algn="l">
-              <a:spcBef>
-                <a:spcPts val="0"/>
-              </a:spcBef>
-              <a:spcAft>
-                <a:spcPts val="0"/>
-              </a:spcAft>
-              <a:buSzPts val="1200"/>
-              <a:buChar char="●"/>
-            </a:pPr>
-            <a:r>
-              <a:rPr lang="en" sz="1200"/>
-              <a:t>A new column “adhd_only” was added for any patient who has adhd but no ocd or hallucinations</a:t>
+              <a:t>Some housekeeping is done to the data before exporting.</a:t>
             </a:r>
             <a:endParaRPr sz="1200"/>
           </a:p>
@@ -11261,7 +11763,7 @@
         </p:blipFill>
         <p:spPr>
           <a:xfrm>
-            <a:off x="908425" y="3727396"/>
+            <a:off x="908425" y="3315171"/>
             <a:ext cx="7075500" cy="1105500"/>
           </a:xfrm>
           <a:prstGeom prst="roundRect">
@@ -11567,72 +12069,87 @@
           </a:bodyPr>
           <a:lstStyle/>
           <a:p>
-            <a:pPr indent="-317500" lvl="0" marL="457200" rtl="0" algn="l">
-              <a:spcBef>
-                <a:spcPts val="0"/>
-              </a:spcBef>
-              <a:spcAft>
-                <a:spcPts val="0"/>
-              </a:spcAft>
-              <a:buSzPts val="1400"/>
+            <a:pPr indent="-304800" lvl="0" marL="457200" rtl="0" algn="l">
+              <a:spcBef>
+                <a:spcPts val="0"/>
+              </a:spcBef>
+              <a:spcAft>
+                <a:spcPts val="0"/>
+              </a:spcAft>
+              <a:buSzPts val="1200"/>
               <a:buChar char="●"/>
             </a:pPr>
             <a:r>
+              <a:rPr lang="en" sz="1200"/>
+              <a:t>The data gathered is small </a:t>
+            </a:r>
+            <a:endParaRPr sz="1200"/>
+          </a:p>
+          <a:p>
+            <a:pPr indent="-304800" lvl="1" marL="914400" rtl="0" algn="l">
+              <a:spcBef>
+                <a:spcPts val="0"/>
+              </a:spcBef>
+              <a:spcAft>
+                <a:spcPts val="0"/>
+              </a:spcAft>
+              <a:buSzPts val="1200"/>
+              <a:buChar char="○"/>
+            </a:pPr>
+            <a:r>
               <a:rPr lang="en"/>
-              <a:t>The data gathered is small (141 ADHD patients) and (19 for those who include OCD or hallucinations in their notes)</a:t>
+              <a:t>121 ADHD patients </a:t>
             </a:r>
             <a:endParaRPr/>
           </a:p>
           <a:p>
-            <a:pPr indent="-317500" lvl="0" marL="457200" rtl="0" algn="l">
-              <a:spcBef>
-                <a:spcPts val="0"/>
-              </a:spcBef>
-              <a:spcAft>
-                <a:spcPts val="0"/>
-              </a:spcAft>
-              <a:buSzPts val="1400"/>
+            <a:pPr indent="-304800" lvl="1" marL="914400" rtl="0" algn="l">
+              <a:spcBef>
+                <a:spcPts val="0"/>
+              </a:spcBef>
+              <a:spcAft>
+                <a:spcPts val="0"/>
+              </a:spcAft>
+              <a:buSzPts val="1200"/>
+              <a:buChar char="○"/>
+            </a:pPr>
+            <a:r>
+              <a:rPr lang="en"/>
+              <a:t>19 patients with OCD or hallucinations</a:t>
+            </a:r>
+            <a:endParaRPr/>
+          </a:p>
+          <a:p>
+            <a:pPr indent="-304800" lvl="0" marL="457200" rtl="0" algn="l">
+              <a:spcBef>
+                <a:spcPts val="0"/>
+              </a:spcBef>
+              <a:spcAft>
+                <a:spcPts val="0"/>
+              </a:spcAft>
+              <a:buSzPts val="1200"/>
               <a:buChar char="●"/>
             </a:pPr>
             <a:r>
-              <a:rPr lang="en"/>
+              <a:rPr lang="en" sz="1200"/>
               <a:t>~15% of patients with ADHD reported hallucinations or OCD in their medical notes.</a:t>
             </a:r>
-            <a:endParaRPr/>
-          </a:p>
-          <a:p>
-            <a:pPr indent="-317500" lvl="0" marL="457200" rtl="0" algn="l">
-              <a:spcBef>
-                <a:spcPts val="0"/>
-              </a:spcBef>
-              <a:spcAft>
-                <a:spcPts val="0"/>
-              </a:spcAft>
-              <a:buSzPts val="1400"/>
-              <a:buChar char="●"/>
-            </a:pPr>
-            <a:r>
-              <a:rPr lang="en"/>
-              <a:t>Surprisingly hallucinations was more common that OCD.</a:t>
-            </a:r>
-            <a:endParaRPr/>
-          </a:p>
-          <a:p>
-            <a:pPr indent="-317500" lvl="0" marL="457200" rtl="0" algn="l">
-              <a:spcBef>
-                <a:spcPts val="0"/>
-              </a:spcBef>
-              <a:spcAft>
-                <a:spcPts val="0"/>
-              </a:spcAft>
-              <a:buSzPts val="1400"/>
-              <a:buChar char="●"/>
-            </a:pPr>
-            <a:r>
-              <a:rPr lang="en"/>
-              <a:t>We hope some correlations are retrieved after we apply our other techniques.</a:t>
-            </a:r>
-            <a:endParaRPr/>
+            <a:endParaRPr sz="1200"/>
+          </a:p>
+          <a:p>
+            <a:pPr indent="0" lvl="0" marL="0" rtl="0" algn="l">
+              <a:spcBef>
+                <a:spcPts val="1200"/>
+              </a:spcBef>
+              <a:spcAft>
+                <a:spcPts val="1200"/>
+              </a:spcAft>
+              <a:buNone/>
+            </a:pPr>
+            <a:r>
+              <a:t/>
+            </a:r>
+            <a:endParaRPr sz="1200"/>
           </a:p>
         </p:txBody>
       </p:sp>
@@ -11761,58 +12278,58 @@
           </a:bodyPr>
           <a:lstStyle/>
           <a:p>
-            <a:pPr indent="-317500" lvl="0" marL="457200" rtl="0" algn="l">
-              <a:spcBef>
-                <a:spcPts val="0"/>
-              </a:spcBef>
-              <a:spcAft>
-                <a:spcPts val="0"/>
-              </a:spcAft>
-              <a:buSzPts val="1400"/>
+            <a:pPr indent="-304800" lvl="0" marL="457200" rtl="0" algn="l">
+              <a:spcBef>
+                <a:spcPts val="0"/>
+              </a:spcBef>
+              <a:spcAft>
+                <a:spcPts val="0"/>
+              </a:spcAft>
+              <a:buSzPts val="1200"/>
               <a:buChar char="●"/>
             </a:pPr>
             <a:r>
-              <a:rPr lang="en"/>
-              <a:t>Our data shows higher overall amount of patients with ADHD being male (~1.7:1)</a:t>
-            </a:r>
-            <a:endParaRPr/>
-          </a:p>
-          <a:p>
-            <a:pPr indent="-317500" lvl="0" marL="457200" rtl="0" algn="l">
-              <a:spcBef>
-                <a:spcPts val="0"/>
-              </a:spcBef>
-              <a:spcAft>
-                <a:spcPts val="0"/>
-              </a:spcAft>
-              <a:buSzPts val="1400"/>
+              <a:rPr lang="en" sz="1200"/>
+              <a:t>Our data shows higher overall amount of patients with ADHD being male.</a:t>
+            </a:r>
+            <a:endParaRPr sz="1200"/>
+          </a:p>
+          <a:p>
+            <a:pPr indent="-304800" lvl="0" marL="457200" rtl="0" algn="l">
+              <a:spcBef>
+                <a:spcPts val="0"/>
+              </a:spcBef>
+              <a:spcAft>
+                <a:spcPts val="0"/>
+              </a:spcAft>
+              <a:buSzPts val="1200"/>
               <a:buChar char="●"/>
             </a:pPr>
             <a:r>
-              <a:rPr lang="en"/>
+              <a:rPr lang="en" sz="1200"/>
               <a:t>Hallucinations are more common in Males.</a:t>
             </a:r>
-            <a:endParaRPr/>
-          </a:p>
-          <a:p>
-            <a:pPr indent="-317500" lvl="0" marL="457200" rtl="0" algn="l">
-              <a:spcBef>
-                <a:spcPts val="0"/>
-              </a:spcBef>
-              <a:spcAft>
-                <a:spcPts val="0"/>
-              </a:spcAft>
-              <a:buSzPts val="1400"/>
+            <a:endParaRPr sz="1200"/>
+          </a:p>
+          <a:p>
+            <a:pPr indent="-304800" lvl="0" marL="457200" rtl="0" algn="l">
+              <a:spcBef>
+                <a:spcPts val="0"/>
+              </a:spcBef>
+              <a:spcAft>
+                <a:spcPts val="0"/>
+              </a:spcAft>
+              <a:buSzPts val="1200"/>
               <a:buChar char="●"/>
             </a:pPr>
             <a:r>
-              <a:rPr lang="en"/>
+              <a:rPr lang="en" sz="1200"/>
               <a:t>OCD appears to only be prevalent in Females.</a:t>
             </a:r>
-            <a:endParaRPr/>
-          </a:p>
-          <a:p>
-            <a:pPr indent="-304800" lvl="1" marL="914400" rtl="0" algn="l">
+            <a:endParaRPr sz="1200"/>
+          </a:p>
+          <a:p>
+            <a:pPr indent="-304800" lvl="0" marL="457200" rtl="0" algn="l">
               <a:spcBef>
                 <a:spcPts val="0"/>
               </a:spcBef>
@@ -11820,37 +12337,13 @@
                 <a:spcPts val="0"/>
               </a:spcAft>
               <a:buSzPts val="1200"/>
-              <a:buChar char="○"/>
-            </a:pPr>
-            <a:r>
-              <a:rPr lang="en"/>
-              <a:t>This is likely incorrect due to the relatively small size of the dataset.</a:t>
-            </a:r>
-            <a:endParaRPr/>
-          </a:p>
-          <a:p>
-            <a:pPr indent="-317500" lvl="0" marL="457200" rtl="0" algn="l">
-              <a:spcBef>
-                <a:spcPts val="0"/>
-              </a:spcBef>
-              <a:spcAft>
-                <a:spcPts val="0"/>
-              </a:spcAft>
-              <a:buSzPts val="1400"/>
               <a:buChar char="●"/>
             </a:pPr>
             <a:r>
-              <a:rPr lang="en"/>
-              <a:t>Clearly gender plays a role in having conditions. </a:t>
-            </a:r>
-            <a:br>
-              <a:rPr lang="en"/>
-            </a:br>
-            <a:r>
-              <a:rPr lang="en"/>
-              <a:t>We hope this correlation will be present once we apply our some ML techniques to group correlations with prescribed drugs.</a:t>
-            </a:r>
-            <a:endParaRPr/>
+              <a:rPr lang="en" sz="1200"/>
+              <a:t>Gender may be a key factor</a:t>
+            </a:r>
+            <a:endParaRPr sz="1200"/>
           </a:p>
         </p:txBody>
       </p:sp>
@@ -11984,14 +12477,83 @@
                 <a:spcPts val="0"/>
               </a:spcBef>
               <a:spcAft>
+                <a:spcPts val="0"/>
+              </a:spcAft>
+              <a:buNone/>
+            </a:pPr>
+            <a:r>
+              <a:rPr lang="en" sz="1200"/>
+              <a:t>K-means</a:t>
+            </a:r>
+            <a:endParaRPr sz="1200"/>
+          </a:p>
+          <a:p>
+            <a:pPr indent="-304800" lvl="0" marL="457200" rtl="0" algn="l">
+              <a:spcBef>
                 <a:spcPts val="1200"/>
-              </a:spcAft>
-              <a:buNone/>
-            </a:pPr>
-            <a:r>
-              <a:t/>
-            </a:r>
-            <a:endParaRPr/>
+              </a:spcBef>
+              <a:spcAft>
+                <a:spcPts val="0"/>
+              </a:spcAft>
+              <a:buSzPts val="1200"/>
+              <a:buChar char="●"/>
+            </a:pPr>
+            <a:r>
+              <a:rPr lang="en" sz="1200"/>
+              <a:t>Clustering algorithm</a:t>
+            </a:r>
+            <a:endParaRPr sz="1200"/>
+          </a:p>
+          <a:p>
+            <a:pPr indent="-304800" lvl="0" marL="457200" rtl="0" algn="l">
+              <a:spcBef>
+                <a:spcPts val="0"/>
+              </a:spcBef>
+              <a:spcAft>
+                <a:spcPts val="0"/>
+              </a:spcAft>
+              <a:buSzPts val="1200"/>
+              <a:buChar char="●"/>
+            </a:pPr>
+            <a:r>
+              <a:rPr lang="en" sz="1200"/>
+              <a:t>Groups similar data</a:t>
+            </a:r>
+            <a:endParaRPr sz="1200"/>
+          </a:p>
+          <a:p>
+            <a:pPr indent="-304800" lvl="0" marL="457200" rtl="0" algn="l">
+              <a:spcBef>
+                <a:spcPts val="0"/>
+              </a:spcBef>
+              <a:spcAft>
+                <a:spcPts val="0"/>
+              </a:spcAft>
+              <a:buSzPts val="1200"/>
+              <a:buChar char="●"/>
+            </a:pPr>
+            <a:r>
+              <a:rPr lang="en" sz="1200"/>
+              <a:t>Unsupervised learning</a:t>
+            </a:r>
+            <a:endParaRPr sz="1200"/>
+          </a:p>
+          <a:p>
+            <a:pPr indent="-304800" lvl="0" marL="457200" rtl="0" algn="l">
+              <a:spcBef>
+                <a:spcPts val="0"/>
+              </a:spcBef>
+              <a:spcAft>
+                <a:spcPts val="0"/>
+              </a:spcAft>
+              <a:buSzPts val="1200"/>
+              <a:buChar char="●"/>
+            </a:pPr>
+            <a:r>
+              <a:rPr lang="en" sz="1200"/>
+              <a:t>Reduced complexity</a:t>
+            </a:r>
+            <a:endParaRPr sz="1200"/>
           </a:p>
         </p:txBody>
       </p:sp>
@@ -12023,14 +12585,115 @@
                 <a:spcPts val="0"/>
               </a:spcBef>
               <a:spcAft>
+                <a:spcPts val="0"/>
+              </a:spcAft>
+              <a:buNone/>
+            </a:pPr>
+            <a:r>
+              <a:rPr lang="en" sz="1200"/>
+              <a:t>PCA</a:t>
+            </a:r>
+            <a:endParaRPr sz="1200"/>
+          </a:p>
+          <a:p>
+            <a:pPr indent="-304800" lvl="0" marL="457200" rtl="0" algn="l">
+              <a:spcBef>
                 <a:spcPts val="1200"/>
+              </a:spcBef>
+              <a:spcAft>
+                <a:spcPts val="0"/>
+              </a:spcAft>
+              <a:buSzPts val="1200"/>
+              <a:buChar char="●"/>
+            </a:pPr>
+            <a:r>
+              <a:rPr lang="en" sz="1200"/>
+              <a:t>Dimensionality reduction technique</a:t>
+            </a:r>
+            <a:endParaRPr sz="1200"/>
+          </a:p>
+          <a:p>
+            <a:pPr indent="-304800" lvl="0" marL="457200" rtl="0" algn="l">
+              <a:spcBef>
+                <a:spcPts val="0"/>
+              </a:spcBef>
+              <a:spcAft>
+                <a:spcPts val="0"/>
+              </a:spcAft>
+              <a:buSzPts val="1200"/>
+              <a:buChar char="●"/>
+            </a:pPr>
+            <a:r>
+              <a:rPr lang="en" sz="1200"/>
+              <a:t>Keep most important variance</a:t>
+            </a:r>
+            <a:endParaRPr sz="1200"/>
+          </a:p>
+          <a:p>
+            <a:pPr indent="-304800" lvl="0" marL="457200" rtl="0" algn="l">
+              <a:spcBef>
+                <a:spcPts val="0"/>
+              </a:spcBef>
+              <a:spcAft>
+                <a:spcPts val="0"/>
+              </a:spcAft>
+              <a:buSzPts val="1200"/>
+              <a:buChar char="●"/>
+            </a:pPr>
+            <a:r>
+              <a:rPr lang="en" sz="1200"/>
+              <a:t>Visualization</a:t>
+            </a:r>
+            <a:endParaRPr sz="1200"/>
+          </a:p>
+          <a:p>
+            <a:pPr indent="-304800" lvl="0" marL="457200" rtl="0" algn="l">
+              <a:spcBef>
+                <a:spcPts val="0"/>
+              </a:spcBef>
+              <a:spcAft>
+                <a:spcPts val="0"/>
+              </a:spcAft>
+              <a:buSzPts val="1200"/>
+              <a:buChar char="●"/>
+            </a:pPr>
+            <a:r>
+              <a:rPr lang="en" sz="1200"/>
+              <a:t>Noise reduction</a:t>
+            </a:r>
+            <a:endParaRPr sz="1200"/>
+          </a:p>
+          <a:p>
+            <a:pPr indent="-304800" lvl="0" marL="457200" rtl="0" algn="l">
+              <a:spcBef>
+                <a:spcPts val="0"/>
+              </a:spcBef>
+              <a:spcAft>
+                <a:spcPts val="0"/>
+              </a:spcAft>
+              <a:buSzPts val="1200"/>
+              <a:buChar char="●"/>
+            </a:pPr>
+            <a:r>
+              <a:rPr lang="en" sz="1200"/>
+              <a:t>Feature extraction</a:t>
+            </a:r>
+            <a:endParaRPr sz="1200"/>
+          </a:p>
+          <a:p>
+            <a:pPr indent="0" lvl="0" marL="0" rtl="0" algn="l">
+              <a:spcBef>
+                <a:spcPts val="1200"/>
+              </a:spcBef>
+              <a:spcAft>
+                <a:spcPts val="1200"/>
               </a:spcAft>
               <a:buNone/>
             </a:pPr>
             <a:r>
               <a:t/>
             </a:r>
-            <a:endParaRPr/>
+            <a:endParaRPr sz="1200"/>
           </a:p>
         </p:txBody>
       </p:sp>
@@ -12155,162 +12818,82 @@
         </p:spPr>
         <p:txBody>
           <a:bodyPr anchorCtr="0" anchor="t" bIns="91425" lIns="91425" spcFirstLastPara="1" rIns="91425" wrap="square" tIns="91425">
-            <a:normAutofit fontScale="92500" lnSpcReduction="20000"/>
+            <a:noAutofit/>
           </a:bodyPr>
           <a:lstStyle/>
           <a:p>
-            <a:pPr indent="-310832" lvl="0" marL="457200" rtl="0" algn="l">
-              <a:spcBef>
-                <a:spcPts val="0"/>
-              </a:spcBef>
-              <a:spcAft>
-                <a:spcPts val="0"/>
-              </a:spcAft>
-              <a:buSzPct val="100000"/>
+            <a:pPr indent="-304800" lvl="0" marL="457200" rtl="0" algn="l">
+              <a:spcBef>
+                <a:spcPts val="0"/>
+              </a:spcBef>
+              <a:spcAft>
+                <a:spcPts val="0"/>
+              </a:spcAft>
+              <a:buSzPts val="1200"/>
               <a:buChar char="●"/>
             </a:pPr>
             <a:r>
-              <a:rPr lang="en"/>
-              <a:t>Since we will be using the kmean algorithm to cluster our data to learn from it, we need to find a proper cluster size.</a:t>
-            </a:r>
-            <a:endParaRPr/>
-          </a:p>
-          <a:p>
-            <a:pPr indent="-310832" lvl="0" marL="457200" rtl="0" algn="l">
-              <a:spcBef>
-                <a:spcPts val="0"/>
-              </a:spcBef>
-              <a:spcAft>
-                <a:spcPts val="0"/>
-              </a:spcAft>
-              <a:buSzPct val="100000"/>
+              <a:rPr lang="en" sz="1200"/>
+              <a:t>Optimal cluster size for unknown dataset</a:t>
+            </a:r>
+            <a:endParaRPr sz="1200"/>
+          </a:p>
+          <a:p>
+            <a:pPr indent="-304800" lvl="0" marL="457200" rtl="0" algn="l">
+              <a:spcBef>
+                <a:spcPts val="0"/>
+              </a:spcBef>
+              <a:spcAft>
+                <a:spcPts val="0"/>
+              </a:spcAft>
+              <a:buSzPts val="1200"/>
               <a:buChar char="●"/>
             </a:pPr>
             <a:r>
-              <a:rPr lang="en"/>
+              <a:rPr lang="en" sz="1200"/>
               <a:t>We’ll be using the Elbow Method.</a:t>
             </a:r>
-            <a:endParaRPr/>
-          </a:p>
-          <a:p>
-            <a:pPr indent="-299085" lvl="1" marL="914400" rtl="0" algn="l">
-              <a:spcBef>
-                <a:spcPts val="0"/>
-              </a:spcBef>
-              <a:spcAft>
-                <a:spcPts val="0"/>
-              </a:spcAft>
-              <a:buSzPct val="100000"/>
+            <a:endParaRPr sz="1200"/>
+          </a:p>
+          <a:p>
+            <a:pPr indent="-304800" lvl="1" marL="914400" rtl="0" algn="l">
+              <a:spcBef>
+                <a:spcPts val="0"/>
+              </a:spcBef>
+              <a:spcAft>
+                <a:spcPts val="0"/>
+              </a:spcAft>
+              <a:buSzPts val="1200"/>
               <a:buChar char="○"/>
             </a:pPr>
             <a:r>
               <a:rPr lang="en"/>
               <a:t>This is an method for finding the best cluster size on unsupervised learning.</a:t>
             </a:r>
-            <a:endParaRPr/>
-          </a:p>
-          <a:p>
-            <a:pPr indent="-299085" lvl="2" marL="1371600" rtl="0" algn="l">
-              <a:spcBef>
-                <a:spcPts val="0"/>
-              </a:spcBef>
-              <a:spcAft>
-                <a:spcPts val="0"/>
-              </a:spcAft>
-              <a:buSzPct val="100000"/>
-              <a:buChar char="■"/>
-            </a:pPr>
-            <a:r>
-              <a:rPr lang="en"/>
-              <a:t>Since we don’t know what clusters may be </a:t>
-            </a:r>
-            <a:r>
-              <a:rPr lang="en"/>
-              <a:t>relevant</a:t>
-            </a:r>
-            <a:r>
-              <a:rPr lang="en"/>
-              <a:t> this will </a:t>
-            </a:r>
-            <a:r>
-              <a:rPr lang="en"/>
-              <a:t>help guide us.</a:t>
-            </a:r>
-            <a:endParaRPr/>
-          </a:p>
-          <a:p>
-            <a:pPr indent="-299085" lvl="2" marL="1371600" rtl="0" algn="l">
-              <a:spcBef>
-                <a:spcPts val="0"/>
-              </a:spcBef>
-              <a:spcAft>
-                <a:spcPts val="0"/>
-              </a:spcAft>
-              <a:buSzPct val="100000"/>
-              <a:buChar char="■"/>
-            </a:pPr>
-            <a:r>
-              <a:rPr lang="en"/>
-              <a:t>Multiple drugs, alongside gender and condition makes this an unsupervised learning method due to us not knowing what clusters exist.</a:t>
-            </a:r>
-            <a:endParaRPr/>
-          </a:p>
-          <a:p>
-            <a:pPr indent="-310832" lvl="0" marL="457200" rtl="0" algn="l">
-              <a:spcBef>
-                <a:spcPts val="0"/>
-              </a:spcBef>
-              <a:spcAft>
-                <a:spcPts val="0"/>
-              </a:spcAft>
-              <a:buSzPct val="100000"/>
+            <a:endParaRPr sz="1000"/>
+          </a:p>
+          <a:p>
+            <a:pPr indent="-304800" lvl="0" marL="457200" rtl="0" algn="l">
+              <a:spcBef>
+                <a:spcPts val="0"/>
+              </a:spcBef>
+              <a:spcAft>
+                <a:spcPts val="0"/>
+              </a:spcAft>
+              <a:buSzPts val="1200"/>
               <a:buChar char="●"/>
             </a:pPr>
             <a:r>
-              <a:rPr lang="en"/>
+              <a:rPr lang="en" sz="1200"/>
               <a:t>Since our data is small the max cluster size </a:t>
             </a:r>
             <a:r>
-              <a:rPr lang="en"/>
+              <a:rPr lang="en" sz="1200"/>
               <a:t>allotted</a:t>
             </a:r>
             <a:r>
-              <a:rPr lang="en"/>
-              <a:t> was data divided by 10.</a:t>
-            </a:r>
-            <a:endParaRPr/>
-          </a:p>
-          <a:p>
-            <a:pPr indent="-299085" lvl="1" marL="914400" rtl="0" algn="l">
-              <a:spcBef>
-                <a:spcPts val="0"/>
-              </a:spcBef>
-              <a:spcAft>
-                <a:spcPts val="0"/>
-              </a:spcAft>
-              <a:buSzPct val="100000"/>
-              <a:buChar char="○"/>
-            </a:pPr>
-            <a:r>
-              <a:rPr lang="en"/>
-              <a:t>This means we will test every cluster size from 1 to at most the amount of clusters needed for a cluster to have no less than 10 data points.</a:t>
-            </a:r>
-            <a:endParaRPr/>
-          </a:p>
-          <a:p>
-            <a:pPr indent="-299085" lvl="1" marL="914400" rtl="0" algn="l">
-              <a:spcBef>
-                <a:spcPts val="0"/>
-              </a:spcBef>
-              <a:spcAft>
-                <a:spcPts val="0"/>
-              </a:spcAft>
-              <a:buSzPct val="100000"/>
-              <a:buChar char="○"/>
-            </a:pPr>
-            <a:r>
-              <a:rPr lang="en"/>
-              <a:t>Anything smaller may make the data too separated and thus reduce correlation.</a:t>
+              <a:rPr lang="en" sz="1200"/>
+              <a:t> was the total data points divided by 10.</a:t>
             </a:r>
             <a:endParaRPr/>
           </a:p>
